--- a/Group5-1.pptx
+++ b/Group5-1.pptx
@@ -212,6 +212,20 @@
     </cx:data>
   </cx:chartData>
   <cx:chart>
+    <cx:title pos="t" align="ctr" overlay="0">
+      <cx:tx>
+        <cx:rich>
+          <a:bodyPr spcFirstLastPara="1" vertOverflow="ellipsis" wrap="square" lIns="0" tIns="0" rIns="0" bIns="0" anchor="ctr" anchorCtr="1"/>
+          <a:lstStyle/>
+          <a:p>
+            <a:pPr algn="ctr">
+              <a:defRPr/>
+            </a:pPr>
+            <a:endParaRPr lang="zh-TW" dirty="0"/>
+          </a:p>
+        </cx:rich>
+      </cx:tx>
+    </cx:title>
     <cx:plotArea>
       <cx:plotAreaRegion>
         <cx:series layoutId="sunburst" uniqueId="{CB08330B-351C-4E25-8F2A-42FFD8D3715A}">
@@ -221,13 +235,14 @@
               <cx:v>數列 1</cx:v>
             </cx:txData>
           </cx:tx>
-          <cx:dataLabels>
+          <cx:dataLabels pos="ctr">
             <cx:visibility seriesName="0" categoryName="1" value="0"/>
           </cx:dataLabels>
           <cx:dataId val="0"/>
         </cx:series>
       </cx:plotAreaRegion>
     </cx:plotArea>
+    <cx:legend pos="r" align="ctr" overlay="0"/>
   </cx:chart>
 </cx:chartSpace>
 </file>
@@ -788,7 +803,6 @@
           </c:extLst>
         </c:ser>
         <c:dLbls>
-          <c:dLblPos val="ctr"/>
           <c:showLegendKey val="0"/>
           <c:showVal val="0"/>
           <c:showCatName val="0"/>
@@ -871,7 +885,6 @@
     </c:plotArea>
     <c:legend>
       <c:legendPos val="r"/>
-      <c:layout/>
       <c:overlay val="0"/>
       <c:spPr>
         <a:noFill/>
@@ -1006,14 +1019,15 @@
 </file>
 
 <file path=ppt/charts/style1.xml><?xml version="1.0" encoding="utf-8"?>
-<cs:chartStyle xmlns:cs="http://schemas.microsoft.com/office/drawing/2012/chartStyle" xmlns:a="http://schemas.openxmlformats.org/drawingml/2006/main" id="387">
+<cs:chartStyle xmlns:cs="http://schemas.microsoft.com/office/drawing/2012/chartStyle" xmlns:a="http://schemas.openxmlformats.org/drawingml/2006/main" id="386">
   <cs:axisTitle>
     <cs:lnRef idx="0"/>
     <cs:fillRef idx="0"/>
     <cs:effectRef idx="0"/>
-    <cs:fontRef idx="minor">
-      <a:schemeClr val="lt1">
-        <a:lumMod val="95000"/>
+    <cs:fontRef idx="major">
+      <a:schemeClr val="dk1">
+        <a:lumMod val="50000"/>
+        <a:lumOff val="50000"/>
       </a:schemeClr>
     </cs:fontRef>
     <cs:defRPr sz="1197"/>
@@ -1022,22 +1036,12 @@
     <cs:lnRef idx="0"/>
     <cs:fillRef idx="0"/>
     <cs:effectRef idx="0"/>
-    <cs:fontRef idx="minor">
-      <a:schemeClr val="lt1">
-        <a:lumMod val="95000"/>
+    <cs:fontRef idx="major">
+      <a:schemeClr val="dk1">
+        <a:lumMod val="50000"/>
+        <a:lumOff val="50000"/>
       </a:schemeClr>
     </cs:fontRef>
-    <cs:spPr>
-      <a:ln w="12700" cap="flat" cmpd="sng" algn="ctr">
-        <a:solidFill>
-          <a:schemeClr val="lt1">
-            <a:lumMod val="95000"/>
-            <a:alpha val="54000"/>
-          </a:schemeClr>
-        </a:solidFill>
-        <a:round/>
-      </a:ln>
-    </cs:spPr>
     <cs:defRPr sz="1197"/>
   </cs:categoryAxis>
   <cs:chartArea>
@@ -1048,53 +1052,68 @@
       <a:schemeClr val="dk1"/>
     </cs:fontRef>
     <cs:spPr>
-      <a:gradFill flip="none" rotWithShape="1">
-        <a:gsLst>
-          <a:gs pos="0">
-            <a:schemeClr val="dk1">
-              <a:lumMod val="65000"/>
-              <a:lumOff val="35000"/>
-            </a:schemeClr>
-          </a:gs>
-          <a:gs pos="100000">
-            <a:schemeClr val="dk1">
-              <a:lumMod val="85000"/>
-              <a:lumOff val="15000"/>
-            </a:schemeClr>
-          </a:gs>
-        </a:gsLst>
-        <a:path path="circle">
-          <a:fillToRect l="50000" t="50000" r="50000" b="50000"/>
-        </a:path>
-        <a:tileRect/>
-      </a:gradFill>
+      <a:pattFill prst="dkDnDiag">
+        <a:fgClr>
+          <a:schemeClr val="lt1"/>
+        </a:fgClr>
+        <a:bgClr>
+          <a:schemeClr val="dk1">
+            <a:lumMod val="10000"/>
+            <a:lumOff val="90000"/>
+          </a:schemeClr>
+        </a:bgClr>
+      </a:pattFill>
+      <a:ln w="9525" cap="flat" cmpd="sng" algn="ctr">
+        <a:solidFill>
+          <a:schemeClr val="dk1">
+            <a:lumMod val="15000"/>
+            <a:lumOff val="85000"/>
+          </a:schemeClr>
+        </a:solidFill>
+        <a:round/>
+      </a:ln>
     </cs:spPr>
-    <cs:defRPr sz="1330" kern="1200"/>
+    <cs:defRPr sz="1197" kern="1200"/>
   </cs:chartArea>
   <cs:dataLabel>
     <cs:lnRef idx="0"/>
     <cs:fillRef idx="0"/>
     <cs:effectRef idx="0"/>
     <cs:fontRef idx="minor">
-      <a:schemeClr val="lt1">
-        <a:lumMod val="95000"/>
+      <a:schemeClr val="dk1">
+        <a:lumMod val="75000"/>
+        <a:lumOff val="25000"/>
       </a:schemeClr>
     </cs:fontRef>
-    <cs:defRPr sz="1131"/>
+    <cs:defRPr sz="1131" kern="1200"/>
+    <cs:bodyPr lIns="38100" tIns="19050" rIns="38100" bIns="19050">
+      <a:spAutoFit/>
+    </cs:bodyPr>
   </cs:dataLabel>
   <cs:dataLabelCallout>
     <cs:lnRef idx="0"/>
     <cs:fillRef idx="0"/>
     <cs:effectRef idx="0"/>
-    <cs:fontRef idx="minor">
-      <a:schemeClr val="lt1">
-        <a:lumMod val="95000"/>
+    <cs:fontRef idx="major">
+      <a:schemeClr val="dk1">
+        <a:lumMod val="50000"/>
+        <a:lumOff val="50000"/>
       </a:schemeClr>
     </cs:fontRef>
     <cs:spPr>
       <a:solidFill>
-        <a:schemeClr val="lt1"/>
+        <a:schemeClr val="lt1">
+          <a:alpha val="75000"/>
+        </a:schemeClr>
       </a:solidFill>
+      <a:ln w="9525">
+        <a:solidFill>
+          <a:schemeClr val="dk1">
+            <a:lumMod val="25000"/>
+            <a:lumOff val="75000"/>
+          </a:schemeClr>
+        </a:solidFill>
+      </a:ln>
     </cs:spPr>
     <cs:defRPr sz="1197"/>
     <cs:bodyPr rot="0" spcFirstLastPara="1" vertOverflow="clip" horzOverflow="clip" vert="horz" wrap="square" lIns="36576" tIns="18288" rIns="36576" bIns="18288" anchor="ctr" anchorCtr="1">
@@ -1111,44 +1130,25 @@
       <a:schemeClr val="tx1"/>
     </cs:fontRef>
     <cs:spPr>
-      <a:gradFill rotWithShape="1">
+      <a:gradFill>
         <a:gsLst>
-          <a:gs pos="0">
+          <a:gs pos="100000">
             <a:schemeClr val="phClr">
-              <a:satMod val="103000"/>
-              <a:lumMod val="102000"/>
-              <a:tint val="94000"/>
+              <a:lumMod val="60000"/>
+              <a:lumOff val="40000"/>
             </a:schemeClr>
           </a:gs>
-          <a:gs pos="50000">
-            <a:schemeClr val="phClr">
-              <a:satMod val="110000"/>
-              <a:lumMod val="100000"/>
-              <a:shade val="100000"/>
-            </a:schemeClr>
-          </a:gs>
-          <a:gs pos="100000">
-            <a:schemeClr val="phClr">
-              <a:lumMod val="99000"/>
-              <a:satMod val="120000"/>
-              <a:shade val="78000"/>
-            </a:schemeClr>
+          <a:gs pos="0">
+            <a:schemeClr val="phClr"/>
           </a:gs>
         </a:gsLst>
         <a:lin ang="5400000" scaled="0"/>
       </a:gradFill>
       <a:ln w="9525">
         <a:solidFill>
-          <a:schemeClr val="tx1"/>
+          <a:schemeClr val="lt1"/>
         </a:solidFill>
       </a:ln>
-      <a:effectLst>
-        <a:outerShdw blurRad="57150" dist="19050" dir="5400000" algn="ctr" rotWithShape="0">
-          <a:srgbClr val="000000">
-            <a:alpha val="63000"/>
-          </a:srgbClr>
-        </a:outerShdw>
-      </a:effectLst>
     </cs:spPr>
   </cs:dataPoint>
   <cs:dataPoint3D>
@@ -1164,6 +1164,11 @@
       <a:solidFill>
         <a:schemeClr val="phClr"/>
       </a:solidFill>
+      <a:ln w="50800">
+        <a:solidFill>
+          <a:schemeClr val="lt1"/>
+        </a:solidFill>
+      </a:ln>
     </cs:spPr>
   </cs:dataPoint3D>
   <cs:dataPointLine>
@@ -1173,7 +1178,7 @@
     <cs:fillRef idx="0"/>
     <cs:effectRef idx="0"/>
     <cs:fontRef idx="minor">
-      <a:schemeClr val="tx1"/>
+      <a:schemeClr val="dk1"/>
     </cs:fontRef>
     <cs:spPr>
       <a:ln w="28575" cap="rnd">
@@ -1191,7 +1196,7 @@
     </cs:fillRef>
     <cs:effectRef idx="0"/>
     <cs:fontRef idx="minor">
-      <a:schemeClr val="tx1"/>
+      <a:schemeClr val="dk1"/>
     </cs:fontRef>
     <cs:spPr>
       <a:solidFill>
@@ -1212,7 +1217,7 @@
     <cs:fillRef idx="0"/>
     <cs:effectRef idx="0"/>
     <cs:fontRef idx="minor">
-      <a:schemeClr val="tx1"/>
+      <a:schemeClr val="dk1"/>
     </cs:fontRef>
     <cs:spPr>
       <a:ln w="28575" cap="rnd">
@@ -1227,9 +1232,10 @@
     <cs:lnRef idx="0"/>
     <cs:fillRef idx="0"/>
     <cs:effectRef idx="0"/>
-    <cs:fontRef idx="minor">
-      <a:schemeClr val="lt1">
-        <a:lumMod val="95000"/>
+    <cs:fontRef idx="major">
+      <a:schemeClr val="dk1">
+        <a:lumMod val="50000"/>
+        <a:lumOff val="50000"/>
       </a:schemeClr>
     </cs:fontRef>
     <cs:defRPr sz="1197"/>
@@ -1239,7 +1245,7 @@
     <cs:fillRef idx="0"/>
     <cs:effectRef idx="0"/>
     <cs:fontRef idx="minor">
-      <a:schemeClr val="tx1"/>
+      <a:schemeClr val="dk1"/>
     </cs:fontRef>
     <cs:spPr>
       <a:solidFill>
@@ -1252,7 +1258,7 @@
     <cs:fillRef idx="0"/>
     <cs:effectRef idx="0"/>
     <cs:fontRef idx="minor">
-      <a:schemeClr val="tx1"/>
+      <a:schemeClr val="dk1"/>
     </cs:fontRef>
   </cs:dropLine>
   <cs:errorBar>
@@ -1260,7 +1266,7 @@
     <cs:fillRef idx="0"/>
     <cs:effectRef idx="0"/>
     <cs:fontRef idx="minor">
-      <a:schemeClr val="tx1"/>
+      <a:schemeClr val="dk1"/>
     </cs:fontRef>
   </cs:errorBar>
   <cs:floor>
@@ -1268,7 +1274,7 @@
     <cs:fillRef idx="0"/>
     <cs:effectRef idx="0"/>
     <cs:fontRef idx="minor">
-      <a:schemeClr val="tx1"/>
+      <a:schemeClr val="dk1"/>
     </cs:fontRef>
   </cs:floor>
   <cs:gridlineMajor>
@@ -1276,14 +1282,14 @@
     <cs:fillRef idx="0"/>
     <cs:effectRef idx="0"/>
     <cs:fontRef idx="minor">
-      <a:schemeClr val="tx1"/>
+      <a:schemeClr val="dk1"/>
     </cs:fontRef>
     <cs:spPr>
       <a:ln w="9525" cap="flat" cmpd="sng" algn="ctr">
         <a:solidFill>
-          <a:schemeClr val="lt1">
-            <a:lumMod val="95000"/>
-            <a:alpha val="10000"/>
+          <a:schemeClr val="dk1">
+            <a:lumMod val="15000"/>
+            <a:lumOff val="85000"/>
           </a:schemeClr>
         </a:solidFill>
         <a:round/>
@@ -1295,17 +1301,18 @@
     <cs:fillRef idx="0"/>
     <cs:effectRef idx="0"/>
     <cs:fontRef idx="minor">
-      <a:schemeClr val="tx1"/>
+      <a:schemeClr val="dk1"/>
     </cs:fontRef>
     <cs:spPr>
-      <a:ln>
+      <a:ln w="9525" cap="flat" cmpd="sng" algn="ctr">
         <a:solidFill>
-          <a:schemeClr val="lt1">
-            <a:lumMod val="95000"/>
-            <a:alpha val="5000"/>
+          <a:schemeClr val="dk1">
+            <a:lumMod val="5000"/>
+            <a:lumOff val="95000"/>
             <a:lumOff val="10000"/>
           </a:schemeClr>
         </a:solidFill>
+        <a:round/>
       </a:ln>
     </cs:spPr>
   </cs:gridlineMinor>
@@ -1314,7 +1321,7 @@
     <cs:fillRef idx="0"/>
     <cs:effectRef idx="0"/>
     <cs:fontRef idx="minor">
-      <a:schemeClr val="tx1"/>
+      <a:schemeClr val="dk1"/>
     </cs:fontRef>
   </cs:hiLoLine>
   <cs:leaderLine>
@@ -1322,7 +1329,7 @@
     <cs:fillRef idx="0"/>
     <cs:effectRef idx="0"/>
     <cs:fontRef idx="minor">
-      <a:schemeClr val="tx1"/>
+      <a:schemeClr val="dk1"/>
     </cs:fontRef>
   </cs:leaderLine>
   <cs:legend>
@@ -1330,18 +1337,27 @@
     <cs:fillRef idx="0"/>
     <cs:effectRef idx="0"/>
     <cs:fontRef idx="minor">
-      <a:schemeClr val="lt1">
-        <a:lumMod val="95000"/>
+      <a:schemeClr val="dk1">
+        <a:lumMod val="65000"/>
+        <a:lumOff val="35000"/>
       </a:schemeClr>
     </cs:fontRef>
-    <cs:defRPr sz="1197"/>
+    <cs:spPr>
+      <a:solidFill>
+        <a:schemeClr val="lt1">
+          <a:alpha val="50000"/>
+        </a:schemeClr>
+      </a:solidFill>
+    </cs:spPr>
+    <cs:defRPr sz="1197" kern="1200"/>
+    <cs:bodyPr/>
   </cs:legend>
   <cs:plotArea>
     <cs:lnRef idx="0"/>
     <cs:fillRef idx="0"/>
     <cs:effectRef idx="0"/>
     <cs:fontRef idx="minor">
-      <a:schemeClr val="tx1"/>
+      <a:schemeClr val="dk1"/>
     </cs:fontRef>
   </cs:plotArea>
   <cs:plotArea3D>
@@ -1349,29 +1365,19 @@
     <cs:fillRef idx="0"/>
     <cs:effectRef idx="0"/>
     <cs:fontRef idx="minor">
-      <a:schemeClr val="tx1"/>
+      <a:schemeClr val="dk1"/>
     </cs:fontRef>
   </cs:plotArea3D>
   <cs:seriesAxis>
     <cs:lnRef idx="0"/>
     <cs:fillRef idx="0"/>
     <cs:effectRef idx="0"/>
-    <cs:fontRef idx="minor">
-      <a:schemeClr val="lt1">
-        <a:lumMod val="95000"/>
+    <cs:fontRef idx="major">
+      <a:schemeClr val="dk1">
+        <a:lumMod val="50000"/>
+        <a:lumOff val="50000"/>
       </a:schemeClr>
     </cs:fontRef>
-    <cs:spPr>
-      <a:ln w="12700" cap="flat" cmpd="sng" algn="ctr">
-        <a:solidFill>
-          <a:schemeClr val="lt1">
-            <a:lumMod val="95000"/>
-            <a:alpha val="54000"/>
-          </a:schemeClr>
-        </a:solidFill>
-        <a:round/>
-      </a:ln>
-    </cs:spPr>
     <cs:defRPr sz="1197"/>
   </cs:seriesAxis>
   <cs:seriesLine>
@@ -1394,20 +1400,13 @@
     <cs:lnRef idx="0"/>
     <cs:fillRef idx="0"/>
     <cs:effectRef idx="0"/>
-    <cs:fontRef idx="minor">
-      <a:schemeClr val="lt1">
-        <a:lumMod val="95000"/>
+    <cs:fontRef idx="major">
+      <a:schemeClr val="dk1">
+        <a:lumMod val="50000"/>
+        <a:lumOff val="50000"/>
       </a:schemeClr>
     </cs:fontRef>
-    <cs:defRPr sz="2128" b="1" kern="1200" spc="100" baseline="0">
-      <a:effectLst>
-        <a:outerShdw blurRad="50800" dist="38100" dir="5400000" algn="t" rotWithShape="0">
-          <a:prstClr val="black">
-            <a:alpha val="40000"/>
-          </a:prstClr>
-        </a:outerShdw>
-      </a:effectLst>
-    </cs:defRPr>
+    <cs:defRPr sz="2128" b="1" kern="1200" spc="0" normalizeH="0" baseline="0"/>
     <cs:bodyPr/>
   </cs:title>
   <cs:trendline>
@@ -1417,7 +1416,7 @@
     <cs:fillRef idx="0"/>
     <cs:effectRef idx="0"/>
     <cs:fontRef idx="minor">
-      <a:schemeClr val="tx1"/>
+      <a:schemeClr val="dk1"/>
     </cs:fontRef>
     <cs:spPr>
       <a:ln w="19050" cap="rnd">
@@ -1432,9 +1431,10 @@
     <cs:lnRef idx="0"/>
     <cs:fillRef idx="0"/>
     <cs:effectRef idx="0"/>
-    <cs:fontRef idx="minor">
-      <a:schemeClr val="lt1">
-        <a:lumMod val="95000"/>
+    <cs:fontRef idx="major">
+      <a:schemeClr val="dk1">
+        <a:lumMod val="50000"/>
+        <a:lumOff val="50000"/>
       </a:schemeClr>
     </cs:fontRef>
     <cs:defRPr sz="1197"/>
@@ -1444,7 +1444,7 @@
     <cs:fillRef idx="0"/>
     <cs:effectRef idx="0"/>
     <cs:fontRef idx="minor">
-      <a:schemeClr val="tx1"/>
+      <a:schemeClr val="dk1"/>
     </cs:fontRef>
     <cs:spPr>
       <a:solidFill>
@@ -1456,9 +1456,10 @@
     <cs:lnRef idx="0"/>
     <cs:fillRef idx="0"/>
     <cs:effectRef idx="0"/>
-    <cs:fontRef idx="minor">
-      <a:schemeClr val="lt1">
-        <a:lumMod val="95000"/>
+    <cs:fontRef idx="major">
+      <a:schemeClr val="dk1">
+        <a:lumMod val="50000"/>
+        <a:lumOff val="50000"/>
       </a:schemeClr>
     </cs:fontRef>
     <cs:defRPr sz="1197"/>
@@ -1468,7 +1469,7 @@
     <cs:fillRef idx="0"/>
     <cs:effectRef idx="0"/>
     <cs:fontRef idx="minor">
-      <a:schemeClr val="tx1"/>
+      <a:schemeClr val="dk1"/>
     </cs:fontRef>
   </cs:wall>
 </cs:chartStyle>
@@ -18398,7 +18399,7 @@
                 <p:ph idx="1"/>
                 <p:extLst>
                   <p:ext uri="{D42A27DB-BD31-4B8C-83A1-F6EECF244321}">
-                    <p14:modId xmlns:p14="http://schemas.microsoft.com/office/powerpoint/2010/main" val="380038445"/>
+                    <p14:modId xmlns:p14="http://schemas.microsoft.com/office/powerpoint/2010/main" val="3964562506"/>
                   </p:ext>
                 </p:extLst>
               </p:nvPr>
@@ -18738,11 +18739,7 @@
                       <a:pPr algn="ctr"/>
                       <a:r>
                         <a:rPr lang="zh-TW" altLang="en-US" sz="1600" b="0" dirty="0" smtClean="0"/>
-                        <a:t>專案建檔、平台</a:t>
-                      </a:r>
-                      <a:r>
-                        <a:rPr lang="zh-TW" altLang="en-US" sz="1600" b="0" dirty="0" smtClean="0"/>
-                        <a:t>探索、</a:t>
+                        <a:t>專案建檔、平台探索、</a:t>
                       </a:r>
                       <a:r>
                         <a:rPr lang="en-US" altLang="zh-TW" sz="1600" b="0" dirty="0" smtClean="0"/>
@@ -18909,11 +18906,7 @@
                       <a:pPr algn="ctr"/>
                       <a:r>
                         <a:rPr lang="zh-TW" altLang="en-US" sz="1600" dirty="0" smtClean="0"/>
-                        <a:t>校園地圖</a:t>
-                      </a:r>
-                      <a:r>
-                        <a:rPr lang="zh-TW" altLang="en-US" sz="1600" dirty="0" smtClean="0"/>
-                        <a:t>規劃設計</a:t>
+                        <a:t>校園地圖規劃設計</a:t>
                       </a:r>
                       <a:endParaRPr lang="zh-TW" altLang="en-US" sz="1600" dirty="0"/>
                     </a:p>
@@ -19193,7 +19186,6 @@
               <a:rPr lang="zh-TW" altLang="en-US" sz="4800" dirty="0"/>
               <a:t>較</a:t>
             </a:r>
-            <a:endParaRPr lang="zh-TW" altLang="en-US" sz="4800" dirty="0"/>
           </a:p>
         </p:txBody>
       </p:sp>
